--- a/Weekly Presentations/Week 11.pptx
+++ b/Weekly Presentations/Week 11.pptx
@@ -7,9 +7,11 @@
   <p:sldIdLst>
     <p:sldId id="256" r:id="rId2"/>
     <p:sldId id="257" r:id="rId3"/>
-    <p:sldId id="258" r:id="rId4"/>
-    <p:sldId id="259" r:id="rId5"/>
-    <p:sldId id="260" r:id="rId6"/>
+    <p:sldId id="261" r:id="rId4"/>
+    <p:sldId id="262" r:id="rId5"/>
+    <p:sldId id="258" r:id="rId6"/>
+    <p:sldId id="259" r:id="rId7"/>
+    <p:sldId id="260" r:id="rId8"/>
   </p:sldIdLst>
   <p:sldSz cx="12192000" cy="6858000"/>
   <p:notesSz cx="6858000" cy="9144000"/>
@@ -3460,7 +3462,16 @@
           <a:bodyPr/>
           <a:lstStyle/>
           <a:p>
-            <a:endParaRPr lang="en-US" dirty="0"/>
+            <a:r>
+              <a:rPr lang="en-US" dirty="0"/>
+              <a:t>Got the ball to register hitting the backboard</a:t>
+            </a:r>
+          </a:p>
+          <a:p>
+            <a:r>
+              <a:rPr lang="en-US" dirty="0"/>
+              <a:t>Successfully made random 3-point backboards to test different shots off</a:t>
+            </a:r>
           </a:p>
         </p:txBody>
       </p:sp>
@@ -3499,7 +3510,7 @@
           <p:cNvPr id="2" name="Title 1">
             <a:extLst>
               <a:ext uri="{FF2B5EF4-FFF2-40B4-BE49-F238E27FC236}">
-                <a16:creationId xmlns:a16="http://schemas.microsoft.com/office/drawing/2014/main" id="{57DEDDE9-86A1-AD47-87A0-75D682A06C6E}"/>
+                <a16:creationId xmlns:a16="http://schemas.microsoft.com/office/drawing/2014/main" id="{BE6C08A8-DDF6-EE45-87D5-122F26AA1842}"/>
               </a:ext>
             </a:extLst>
           </p:cNvPr>
@@ -3516,41 +3527,80 @@
           <a:lstStyle/>
           <a:p>
             <a:r>
+              <a:rPr lang="en-US" dirty="0" err="1"/>
+              <a:t>Backboard_y</a:t>
+            </a:r>
+            <a:r>
               <a:rPr lang="en-US" dirty="0"/>
-              <a:t>What Worked</a:t>
-            </a:r>
-          </a:p>
-        </p:txBody>
-      </p:sp>
-      <p:sp>
-        <p:nvSpPr>
-          <p:cNvPr id="3" name="Content Placeholder 2">
-            <a:extLst>
-              <a:ext uri="{FF2B5EF4-FFF2-40B4-BE49-F238E27FC236}">
-                <a16:creationId xmlns:a16="http://schemas.microsoft.com/office/drawing/2014/main" id="{A4A1EF31-C66E-1341-9A33-9CECB65C884E}"/>
-              </a:ext>
-            </a:extLst>
-          </p:cNvPr>
-          <p:cNvSpPr>
-            <a:spLocks noGrp="1"/>
-          </p:cNvSpPr>
-          <p:nvPr>
-            <p:ph idx="1"/>
-          </p:nvPr>
-        </p:nvSpPr>
-        <p:spPr/>
-        <p:txBody>
-          <a:bodyPr/>
-          <a:lstStyle/>
-          <a:p>
-            <a:endParaRPr lang="en-US"/>
-          </a:p>
-        </p:txBody>
-      </p:sp>
+              <a:t> = [0,-0.2,0] (fixed starting position, varying angle)</a:t>
+            </a:r>
+          </a:p>
+        </p:txBody>
+      </p:sp>
+      <p:pic>
+        <p:nvPicPr>
+          <p:cNvPr id="5" name="Picture 4" descr="A picture containing chart&#10;&#10;Description automatically generated">
+            <a:extLst>
+              <a:ext uri="{FF2B5EF4-FFF2-40B4-BE49-F238E27FC236}">
+                <a16:creationId xmlns:a16="http://schemas.microsoft.com/office/drawing/2014/main" id="{C202BD5E-953B-A94D-BE12-CBD73AD8ED8E}"/>
+              </a:ext>
+            </a:extLst>
+          </p:cNvPr>
+          <p:cNvPicPr>
+            <a:picLocks noChangeAspect="1"/>
+          </p:cNvPicPr>
+          <p:nvPr/>
+        </p:nvPicPr>
+        <p:blipFill>
+          <a:blip r:embed="rId2"/>
+          <a:stretch>
+            <a:fillRect/>
+          </a:stretch>
+        </p:blipFill>
+        <p:spPr>
+          <a:xfrm>
+            <a:off x="254000" y="1690688"/>
+            <a:ext cx="5842000" cy="4381500"/>
+          </a:xfrm>
+          <a:prstGeom prst="rect">
+            <a:avLst/>
+          </a:prstGeom>
+        </p:spPr>
+      </p:pic>
+      <p:pic>
+        <p:nvPicPr>
+          <p:cNvPr id="7" name="Picture 6" descr="Chart&#10;&#10;Description automatically generated">
+            <a:extLst>
+              <a:ext uri="{FF2B5EF4-FFF2-40B4-BE49-F238E27FC236}">
+                <a16:creationId xmlns:a16="http://schemas.microsoft.com/office/drawing/2014/main" id="{D6A8E8D9-F721-B146-9039-CC19405CDF7F}"/>
+              </a:ext>
+            </a:extLst>
+          </p:cNvPr>
+          <p:cNvPicPr>
+            <a:picLocks noChangeAspect="1"/>
+          </p:cNvPicPr>
+          <p:nvPr/>
+        </p:nvPicPr>
+        <p:blipFill>
+          <a:blip r:embed="rId3"/>
+          <a:stretch>
+            <a:fillRect/>
+          </a:stretch>
+        </p:blipFill>
+        <p:spPr>
+          <a:xfrm>
+            <a:off x="6096000" y="1690688"/>
+            <a:ext cx="5842000" cy="4381500"/>
+          </a:xfrm>
+          <a:prstGeom prst="rect">
+            <a:avLst/>
+          </a:prstGeom>
+        </p:spPr>
+      </p:pic>
     </p:spTree>
     <p:extLst>
       <p:ext uri="{BB962C8B-B14F-4D97-AF65-F5344CB8AC3E}">
-        <p14:creationId xmlns:p14="http://schemas.microsoft.com/office/powerpoint/2010/main" val="1645402100"/>
+        <p14:creationId xmlns:p14="http://schemas.microsoft.com/office/powerpoint/2010/main" val="804575892"/>
       </p:ext>
     </p:extLst>
   </p:cSld>
@@ -3582,7 +3632,7 @@
           <p:cNvPr id="2" name="Title 1">
             <a:extLst>
               <a:ext uri="{FF2B5EF4-FFF2-40B4-BE49-F238E27FC236}">
-                <a16:creationId xmlns:a16="http://schemas.microsoft.com/office/drawing/2014/main" id="{CEF39AA5-78BC-2145-9737-72E7228B8797}"/>
+                <a16:creationId xmlns:a16="http://schemas.microsoft.com/office/drawing/2014/main" id="{F4BFD667-9F02-FA49-B7EE-ABAA3CE8DA8A}"/>
               </a:ext>
             </a:extLst>
           </p:cNvPr>
@@ -3600,40 +3650,75 @@
           <a:p>
             <a:r>
               <a:rPr lang="en-US" dirty="0"/>
-              <a:t>Where I’m Stuck</a:t>
-            </a:r>
-          </a:p>
-        </p:txBody>
-      </p:sp>
-      <p:sp>
-        <p:nvSpPr>
-          <p:cNvPr id="3" name="Content Placeholder 2">
-            <a:extLst>
-              <a:ext uri="{FF2B5EF4-FFF2-40B4-BE49-F238E27FC236}">
-                <a16:creationId xmlns:a16="http://schemas.microsoft.com/office/drawing/2014/main" id="{06CA5333-6C65-284A-808A-F6FC3E00128F}"/>
-              </a:ext>
-            </a:extLst>
-          </p:cNvPr>
-          <p:cNvSpPr>
-            <a:spLocks noGrp="1"/>
-          </p:cNvSpPr>
-          <p:nvPr>
-            <p:ph idx="1"/>
-          </p:nvPr>
-        </p:nvSpPr>
-        <p:spPr/>
-        <p:txBody>
-          <a:bodyPr/>
-          <a:lstStyle/>
-          <a:p>
-            <a:endParaRPr lang="en-US"/>
-          </a:p>
-        </p:txBody>
-      </p:sp>
+              <a:t>Random backboard (fixed starting position, varying angle)</a:t>
+            </a:r>
+          </a:p>
+        </p:txBody>
+      </p:sp>
+      <p:pic>
+        <p:nvPicPr>
+          <p:cNvPr id="5" name="Picture 4" descr="A picture containing histogram&#10;&#10;Description automatically generated">
+            <a:extLst>
+              <a:ext uri="{FF2B5EF4-FFF2-40B4-BE49-F238E27FC236}">
+                <a16:creationId xmlns:a16="http://schemas.microsoft.com/office/drawing/2014/main" id="{F66C25A7-FD2F-A44F-B8B8-D774FB83F4C6}"/>
+              </a:ext>
+            </a:extLst>
+          </p:cNvPr>
+          <p:cNvPicPr>
+            <a:picLocks noChangeAspect="1"/>
+          </p:cNvPicPr>
+          <p:nvPr/>
+        </p:nvPicPr>
+        <p:blipFill>
+          <a:blip r:embed="rId2"/>
+          <a:stretch>
+            <a:fillRect/>
+          </a:stretch>
+        </p:blipFill>
+        <p:spPr>
+          <a:xfrm>
+            <a:off x="361950" y="1690688"/>
+            <a:ext cx="5842000" cy="4381500"/>
+          </a:xfrm>
+          <a:prstGeom prst="rect">
+            <a:avLst/>
+          </a:prstGeom>
+        </p:spPr>
+      </p:pic>
+      <p:pic>
+        <p:nvPicPr>
+          <p:cNvPr id="7" name="Picture 6" descr="A picture containing kite&#10;&#10;Description automatically generated">
+            <a:extLst>
+              <a:ext uri="{FF2B5EF4-FFF2-40B4-BE49-F238E27FC236}">
+                <a16:creationId xmlns:a16="http://schemas.microsoft.com/office/drawing/2014/main" id="{283128A4-0626-0C4E-985C-C218DCE13A38}"/>
+              </a:ext>
+            </a:extLst>
+          </p:cNvPr>
+          <p:cNvPicPr>
+            <a:picLocks noChangeAspect="1"/>
+          </p:cNvPicPr>
+          <p:nvPr/>
+        </p:nvPicPr>
+        <p:blipFill>
+          <a:blip r:embed="rId3"/>
+          <a:stretch>
+            <a:fillRect/>
+          </a:stretch>
+        </p:blipFill>
+        <p:spPr>
+          <a:xfrm>
+            <a:off x="6203950" y="1690688"/>
+            <a:ext cx="5842000" cy="4381500"/>
+          </a:xfrm>
+          <a:prstGeom prst="rect">
+            <a:avLst/>
+          </a:prstGeom>
+        </p:spPr>
+      </p:pic>
     </p:spTree>
     <p:extLst>
       <p:ext uri="{BB962C8B-B14F-4D97-AF65-F5344CB8AC3E}">
-        <p14:creationId xmlns:p14="http://schemas.microsoft.com/office/powerpoint/2010/main" val="2103068318"/>
+        <p14:creationId xmlns:p14="http://schemas.microsoft.com/office/powerpoint/2010/main" val="4088321635"/>
       </p:ext>
     </p:extLst>
   </p:cSld>
@@ -3665,6 +3750,539 @@
           <p:cNvPr id="2" name="Title 1">
             <a:extLst>
               <a:ext uri="{FF2B5EF4-FFF2-40B4-BE49-F238E27FC236}">
+                <a16:creationId xmlns:a16="http://schemas.microsoft.com/office/drawing/2014/main" id="{57DEDDE9-86A1-AD47-87A0-75D682A06C6E}"/>
+              </a:ext>
+            </a:extLst>
+          </p:cNvPr>
+          <p:cNvSpPr>
+            <a:spLocks noGrp="1"/>
+          </p:cNvSpPr>
+          <p:nvPr>
+            <p:ph type="title"/>
+          </p:nvPr>
+        </p:nvSpPr>
+        <p:spPr/>
+        <p:txBody>
+          <a:bodyPr/>
+          <a:lstStyle/>
+          <a:p>
+            <a:r>
+              <a:rPr lang="en-US" dirty="0"/>
+              <a:t>What Worked</a:t>
+            </a:r>
+          </a:p>
+        </p:txBody>
+      </p:sp>
+      <p:sp>
+        <p:nvSpPr>
+          <p:cNvPr id="3" name="Content Placeholder 2">
+            <a:extLst>
+              <a:ext uri="{FF2B5EF4-FFF2-40B4-BE49-F238E27FC236}">
+                <a16:creationId xmlns:a16="http://schemas.microsoft.com/office/drawing/2014/main" id="{A4A1EF31-C66E-1341-9A33-9CECB65C884E}"/>
+              </a:ext>
+            </a:extLst>
+          </p:cNvPr>
+          <p:cNvSpPr>
+            <a:spLocks noGrp="1"/>
+          </p:cNvSpPr>
+          <p:nvPr>
+            <p:ph idx="1"/>
+          </p:nvPr>
+        </p:nvSpPr>
+        <p:spPr/>
+        <p:txBody>
+          <a:bodyPr/>
+          <a:lstStyle/>
+          <a:p>
+            <a:r>
+              <a:rPr lang="en-US" dirty="0"/>
+              <a:t>Ball successfully hit off backboard for random initial shots and random backboards</a:t>
+            </a:r>
+          </a:p>
+        </p:txBody>
+      </p:sp>
+    </p:spTree>
+    <p:extLst>
+      <p:ext uri="{BB962C8B-B14F-4D97-AF65-F5344CB8AC3E}">
+        <p14:creationId xmlns:p14="http://schemas.microsoft.com/office/powerpoint/2010/main" val="1645402100"/>
+      </p:ext>
+    </p:extLst>
+  </p:cSld>
+  <p:clrMapOvr>
+    <a:masterClrMapping/>
+  </p:clrMapOvr>
+</p:sld>
+</file>
+
+<file path=ppt/slides/slide6.xml><?xml version="1.0" encoding="utf-8"?>
+<p:sld xmlns:a="http://schemas.openxmlformats.org/drawingml/2006/main" xmlns:r="http://schemas.openxmlformats.org/officeDocument/2006/relationships" xmlns:p="http://schemas.openxmlformats.org/presentationml/2006/main">
+  <p:cSld>
+    <p:bg>
+      <p:bgPr>
+        <a:solidFill>
+          <a:schemeClr val="bg1"/>
+        </a:solidFill>
+        <a:effectLst/>
+      </p:bgPr>
+    </p:bg>
+    <p:spTree>
+      <p:nvGrpSpPr>
+        <p:cNvPr id="1" name=""/>
+        <p:cNvGrpSpPr/>
+        <p:nvPr/>
+      </p:nvGrpSpPr>
+      <p:grpSpPr>
+        <a:xfrm>
+          <a:off x="0" y="0"/>
+          <a:ext cx="0" cy="0"/>
+          <a:chOff x="0" y="0"/>
+          <a:chExt cx="0" cy="0"/>
+        </a:xfrm>
+      </p:grpSpPr>
+      <p:sp useBgFill="1">
+        <p:nvSpPr>
+          <p:cNvPr id="11" name="Rectangle 10">
+            <a:extLst>
+              <a:ext uri="{FF2B5EF4-FFF2-40B4-BE49-F238E27FC236}">
+                <a16:creationId xmlns:a16="http://schemas.microsoft.com/office/drawing/2014/main" id="{E45B1D5C-0827-4AF0-8186-11FC5A8B8B92}"/>
+              </a:ext>
+              <a:ext uri="{C183D7F6-B498-43B3-948B-1728B52AA6E4}">
+                <adec:decorative xmlns:adec="http://schemas.microsoft.com/office/drawing/2017/decorative" val="1"/>
+              </a:ext>
+            </a:extLst>
+          </p:cNvPr>
+          <p:cNvSpPr>
+            <a:spLocks noGrp="1" noRot="1" noChangeAspect="1" noMove="1" noResize="1" noEditPoints="1" noAdjustHandles="1" noChangeArrowheads="1" noChangeShapeType="1" noTextEdit="1"/>
+          </p:cNvSpPr>
+          <p:nvPr>
+            <p:extLst>
+              <p:ext uri="{386F3935-93C4-4BCD-93E2-E3B085C9AB24}">
+                <p16:designElem xmlns:p16="http://schemas.microsoft.com/office/powerpoint/2015/main" val="1"/>
+              </p:ext>
+            </p:extLst>
+          </p:nvPr>
+        </p:nvSpPr>
+        <p:spPr>
+          <a:xfrm>
+            <a:off x="0" y="0"/>
+            <a:ext cx="12191999" cy="6857365"/>
+          </a:xfrm>
+          <a:prstGeom prst="rect">
+            <a:avLst/>
+          </a:prstGeom>
+          <a:ln>
+            <a:noFill/>
+          </a:ln>
+        </p:spPr>
+        <p:style>
+          <a:lnRef idx="2">
+            <a:schemeClr val="accent1">
+              <a:shade val="50000"/>
+            </a:schemeClr>
+          </a:lnRef>
+          <a:fillRef idx="1">
+            <a:schemeClr val="accent1"/>
+          </a:fillRef>
+          <a:effectRef idx="0">
+            <a:schemeClr val="accent1"/>
+          </a:effectRef>
+          <a:fontRef idx="minor">
+            <a:schemeClr val="lt1"/>
+          </a:fontRef>
+        </p:style>
+        <p:txBody>
+          <a:bodyPr rtlCol="0" anchor="ctr"/>
+          <a:lstStyle/>
+          <a:p>
+            <a:pPr algn="ctr"/>
+            <a:endParaRPr lang="en-US"/>
+          </a:p>
+        </p:txBody>
+      </p:sp>
+      <p:sp>
+        <p:nvSpPr>
+          <p:cNvPr id="2" name="Title 1">
+            <a:extLst>
+              <a:ext uri="{FF2B5EF4-FFF2-40B4-BE49-F238E27FC236}">
+                <a16:creationId xmlns:a16="http://schemas.microsoft.com/office/drawing/2014/main" id="{CEF39AA5-78BC-2145-9737-72E7228B8797}"/>
+              </a:ext>
+            </a:extLst>
+          </p:cNvPr>
+          <p:cNvSpPr>
+            <a:spLocks noGrp="1"/>
+          </p:cNvSpPr>
+          <p:nvPr>
+            <p:ph type="title"/>
+          </p:nvPr>
+        </p:nvSpPr>
+        <p:spPr>
+          <a:xfrm>
+            <a:off x="9267909" y="2023110"/>
+            <a:ext cx="2469624" cy="2846070"/>
+          </a:xfrm>
+        </p:spPr>
+        <p:txBody>
+          <a:bodyPr vert="horz" lIns="91440" tIns="45720" rIns="91440" bIns="45720" rtlCol="0" anchor="ctr">
+            <a:normAutofit/>
+          </a:bodyPr>
+          <a:lstStyle/>
+          <a:p>
+            <a:r>
+              <a:rPr lang="en-US" sz="3700"/>
+              <a:t>Where I’m Stuck</a:t>
+            </a:r>
+          </a:p>
+        </p:txBody>
+      </p:sp>
+      <p:sp>
+        <p:nvSpPr>
+          <p:cNvPr id="3" name="Content Placeholder 2">
+            <a:extLst>
+              <a:ext uri="{FF2B5EF4-FFF2-40B4-BE49-F238E27FC236}">
+                <a16:creationId xmlns:a16="http://schemas.microsoft.com/office/drawing/2014/main" id="{06CA5333-6C65-284A-808A-F6FC3E00128F}"/>
+              </a:ext>
+            </a:extLst>
+          </p:cNvPr>
+          <p:cNvSpPr>
+            <a:spLocks noGrp="1"/>
+          </p:cNvSpPr>
+          <p:nvPr>
+            <p:ph idx="1"/>
+          </p:nvPr>
+        </p:nvSpPr>
+        <p:spPr>
+          <a:xfrm>
+            <a:off x="9267908" y="5086350"/>
+            <a:ext cx="2446465" cy="1178298"/>
+          </a:xfrm>
+        </p:spPr>
+        <p:txBody>
+          <a:bodyPr vert="horz" lIns="91440" tIns="45720" rIns="91440" bIns="45720" rtlCol="0">
+            <a:normAutofit/>
+          </a:bodyPr>
+          <a:lstStyle/>
+          <a:p>
+            <a:pPr marL="0" indent="0">
+              <a:buNone/>
+            </a:pPr>
+            <a:r>
+              <a:rPr lang="en-US" sz="1600"/>
+              <a:t>Ball isn’t registering as going in the hoop</a:t>
+            </a:r>
+          </a:p>
+        </p:txBody>
+      </p:sp>
+      <p:sp>
+        <p:nvSpPr>
+          <p:cNvPr id="13" name="Rectangle 12">
+            <a:extLst>
+              <a:ext uri="{FF2B5EF4-FFF2-40B4-BE49-F238E27FC236}">
+                <a16:creationId xmlns:a16="http://schemas.microsoft.com/office/drawing/2014/main" id="{99413ED5-9ED4-4772-BCE4-2BCAE6B12E35}"/>
+              </a:ext>
+              <a:ext uri="{C183D7F6-B498-43B3-948B-1728B52AA6E4}">
+                <adec:decorative xmlns:adec="http://schemas.microsoft.com/office/drawing/2017/decorative" val="1"/>
+              </a:ext>
+            </a:extLst>
+          </p:cNvPr>
+          <p:cNvSpPr>
+            <a:spLocks noGrp="1" noRot="1" noChangeAspect="1" noMove="1" noResize="1" noEditPoints="1" noAdjustHandles="1" noChangeArrowheads="1" noChangeShapeType="1" noTextEdit="1"/>
+          </p:cNvSpPr>
+          <p:nvPr>
+            <p:extLst>
+              <p:ext uri="{386F3935-93C4-4BCD-93E2-E3B085C9AB24}">
+                <p16:designElem xmlns:p16="http://schemas.microsoft.com/office/powerpoint/2015/main" val="1"/>
+              </p:ext>
+            </p:extLst>
+          </p:nvPr>
+        </p:nvSpPr>
+        <p:spPr>
+          <a:xfrm rot="16200000">
+            <a:off x="3433973" y="-827233"/>
+            <a:ext cx="1715478" cy="8583421"/>
+          </a:xfrm>
+          <a:prstGeom prst="rect">
+            <a:avLst/>
+          </a:prstGeom>
+          <a:solidFill>
+            <a:schemeClr val="accent4"/>
+          </a:solidFill>
+          <a:ln>
+            <a:noFill/>
+          </a:ln>
+        </p:spPr>
+        <p:style>
+          <a:lnRef idx="2">
+            <a:schemeClr val="accent1">
+              <a:shade val="50000"/>
+            </a:schemeClr>
+          </a:lnRef>
+          <a:fillRef idx="1">
+            <a:schemeClr val="accent1"/>
+          </a:fillRef>
+          <a:effectRef idx="0">
+            <a:schemeClr val="accent1"/>
+          </a:effectRef>
+          <a:fontRef idx="minor">
+            <a:schemeClr val="lt1"/>
+          </a:fontRef>
+        </p:style>
+        <p:txBody>
+          <a:bodyPr rtlCol="0" anchor="ctr"/>
+          <a:lstStyle/>
+          <a:p>
+            <a:pPr algn="ctr"/>
+            <a:endParaRPr lang="en-US" dirty="0"/>
+          </a:p>
+        </p:txBody>
+      </p:sp>
+      <p:sp>
+        <p:nvSpPr>
+          <p:cNvPr id="15" name="Rectangle 14">
+            <a:extLst>
+              <a:ext uri="{FF2B5EF4-FFF2-40B4-BE49-F238E27FC236}">
+                <a16:creationId xmlns:a16="http://schemas.microsoft.com/office/drawing/2014/main" id="{04357C93-F0CB-4A1C-8F77-4E9063789819}"/>
+              </a:ext>
+              <a:ext uri="{C183D7F6-B498-43B3-948B-1728B52AA6E4}">
+                <adec:decorative xmlns:adec="http://schemas.microsoft.com/office/drawing/2017/decorative" val="1"/>
+              </a:ext>
+            </a:extLst>
+          </p:cNvPr>
+          <p:cNvSpPr>
+            <a:spLocks noGrp="1" noRot="1" noChangeAspect="1" noMove="1" noResize="1" noEditPoints="1" noAdjustHandles="1" noChangeArrowheads="1" noChangeShapeType="1" noTextEdit="1"/>
+          </p:cNvSpPr>
+          <p:nvPr>
+            <p:extLst>
+              <p:ext uri="{386F3935-93C4-4BCD-93E2-E3B085C9AB24}">
+                <p16:designElem xmlns:p16="http://schemas.microsoft.com/office/powerpoint/2015/main" val="1"/>
+              </p:ext>
+            </p:extLst>
+          </p:nvPr>
+        </p:nvSpPr>
+        <p:spPr>
+          <a:xfrm>
+            <a:off x="302085" y="664308"/>
+            <a:ext cx="8082632" cy="5600340"/>
+          </a:xfrm>
+          <a:prstGeom prst="rect">
+            <a:avLst/>
+          </a:prstGeom>
+          <a:solidFill>
+            <a:schemeClr val="bg1"/>
+          </a:solidFill>
+          <a:ln>
+            <a:noFill/>
+          </a:ln>
+          <a:effectLst>
+            <a:outerShdw blurRad="139700" dist="127000" dir="5400000" algn="t" rotWithShape="0">
+              <a:prstClr val="black">
+                <a:alpha val="15000"/>
+              </a:prstClr>
+            </a:outerShdw>
+          </a:effectLst>
+        </p:spPr>
+        <p:style>
+          <a:lnRef idx="2">
+            <a:schemeClr val="accent1">
+              <a:shade val="50000"/>
+            </a:schemeClr>
+          </a:lnRef>
+          <a:fillRef idx="1">
+            <a:schemeClr val="accent1"/>
+          </a:fillRef>
+          <a:effectRef idx="0">
+            <a:schemeClr val="accent1"/>
+          </a:effectRef>
+          <a:fontRef idx="minor">
+            <a:schemeClr val="lt1"/>
+          </a:fontRef>
+        </p:style>
+        <p:txBody>
+          <a:bodyPr rtlCol="0" anchor="ctr"/>
+          <a:lstStyle/>
+          <a:p>
+            <a:pPr algn="ctr"/>
+            <a:endParaRPr lang="en-US"/>
+          </a:p>
+        </p:txBody>
+      </p:sp>
+      <p:pic>
+        <p:nvPicPr>
+          <p:cNvPr id="5" name="Picture 4">
+            <a:extLst>
+              <a:ext uri="{FF2B5EF4-FFF2-40B4-BE49-F238E27FC236}">
+                <a16:creationId xmlns:a16="http://schemas.microsoft.com/office/drawing/2014/main" id="{14584826-6A24-F540-B1A1-235EF375B99E}"/>
+              </a:ext>
+            </a:extLst>
+          </p:cNvPr>
+          <p:cNvPicPr>
+            <a:picLocks noChangeAspect="1"/>
+          </p:cNvPicPr>
+          <p:nvPr/>
+        </p:nvPicPr>
+        <p:blipFill rotWithShape="1">
+          <a:blip r:embed="rId2"/>
+          <a:srcRect t="5590" r="1" b="3074"/>
+          <a:stretch/>
+        </p:blipFill>
+        <p:spPr>
+          <a:xfrm>
+            <a:off x="545238" y="858525"/>
+            <a:ext cx="7608304" cy="5211906"/>
+          </a:xfrm>
+          <a:prstGeom prst="rect">
+            <a:avLst/>
+          </a:prstGeom>
+        </p:spPr>
+      </p:pic>
+      <p:sp>
+        <p:nvSpPr>
+          <p:cNvPr id="17" name="Rectangle 16">
+            <a:extLst>
+              <a:ext uri="{FF2B5EF4-FFF2-40B4-BE49-F238E27FC236}">
+                <a16:creationId xmlns:a16="http://schemas.microsoft.com/office/drawing/2014/main" id="{90F533E9-6690-41A8-A372-4C6C622D028D}"/>
+              </a:ext>
+              <a:ext uri="{C183D7F6-B498-43B3-948B-1728B52AA6E4}">
+                <adec:decorative xmlns:adec="http://schemas.microsoft.com/office/drawing/2017/decorative" val="1"/>
+              </a:ext>
+            </a:extLst>
+          </p:cNvPr>
+          <p:cNvSpPr>
+            <a:spLocks noGrp="1" noRot="1" noChangeAspect="1" noMove="1" noResize="1" noEditPoints="1" noAdjustHandles="1" noChangeArrowheads="1" noChangeShapeType="1" noTextEdit="1"/>
+          </p:cNvSpPr>
+          <p:nvPr>
+            <p:extLst>
+              <p:ext uri="{386F3935-93C4-4BCD-93E2-E3B085C9AB24}">
+                <p16:designElem xmlns:p16="http://schemas.microsoft.com/office/powerpoint/2015/main" val="1"/>
+              </p:ext>
+            </p:extLst>
+          </p:nvPr>
+        </p:nvSpPr>
+        <p:spPr>
+          <a:xfrm rot="5400000">
+            <a:off x="7950447" y="3392097"/>
+            <a:ext cx="1719072" cy="152382"/>
+          </a:xfrm>
+          <a:prstGeom prst="rect">
+            <a:avLst/>
+          </a:prstGeom>
+          <a:solidFill>
+            <a:schemeClr val="accent4"/>
+          </a:solidFill>
+          <a:ln>
+            <a:noFill/>
+          </a:ln>
+        </p:spPr>
+        <p:style>
+          <a:lnRef idx="2">
+            <a:schemeClr val="accent1">
+              <a:shade val="50000"/>
+            </a:schemeClr>
+          </a:lnRef>
+          <a:fillRef idx="1">
+            <a:schemeClr val="accent1"/>
+          </a:fillRef>
+          <a:effectRef idx="0">
+            <a:schemeClr val="accent1"/>
+          </a:effectRef>
+          <a:fontRef idx="minor">
+            <a:schemeClr val="lt1"/>
+          </a:fontRef>
+        </p:style>
+        <p:txBody>
+          <a:bodyPr rtlCol="0" anchor="ctr"/>
+          <a:lstStyle/>
+          <a:p>
+            <a:pPr algn="ctr"/>
+            <a:endParaRPr lang="en-US"/>
+          </a:p>
+        </p:txBody>
+      </p:sp>
+      <p:sp>
+        <p:nvSpPr>
+          <p:cNvPr id="6" name="TextBox 5">
+            <a:extLst>
+              <a:ext uri="{FF2B5EF4-FFF2-40B4-BE49-F238E27FC236}">
+                <a16:creationId xmlns:a16="http://schemas.microsoft.com/office/drawing/2014/main" id="{3B956B5D-6612-C344-9610-62482A7F0B76}"/>
+              </a:ext>
+            </a:extLst>
+          </p:cNvPr>
+          <p:cNvSpPr txBox="1"/>
+          <p:nvPr/>
+        </p:nvSpPr>
+        <p:spPr>
+          <a:xfrm>
+            <a:off x="545238" y="5549241"/>
+            <a:ext cx="7608304" cy="521190"/>
+          </a:xfrm>
+          <a:prstGeom prst="rect">
+            <a:avLst/>
+          </a:prstGeom>
+          <a:solidFill>
+            <a:srgbClr val="000000">
+              <a:alpha val="50000"/>
+            </a:srgbClr>
+          </a:solidFill>
+          <a:ln>
+            <a:noFill/>
+          </a:ln>
+        </p:spPr>
+        <p:txBody>
+          <a:bodyPr wrap="square" rtlCol="0">
+            <a:noAutofit/>
+          </a:bodyPr>
+          <a:lstStyle/>
+          <a:p>
+            <a:pPr algn="ctr">
+              <a:spcAft>
+                <a:spcPts val="600"/>
+              </a:spcAft>
+            </a:pPr>
+            <a:r>
+              <a:rPr lang="en-US" sz="1300">
+                <a:solidFill>
+                  <a:srgbClr val="FFFFFF"/>
+                </a:solidFill>
+              </a:rPr>
+              <a:t>This shot goes in basket but still registers as 0% in</a:t>
+            </a:r>
+          </a:p>
+        </p:txBody>
+      </p:sp>
+    </p:spTree>
+    <p:extLst>
+      <p:ext uri="{BB962C8B-B14F-4D97-AF65-F5344CB8AC3E}">
+        <p14:creationId xmlns:p14="http://schemas.microsoft.com/office/powerpoint/2010/main" val="2103068318"/>
+      </p:ext>
+    </p:extLst>
+  </p:cSld>
+  <p:clrMapOvr>
+    <a:masterClrMapping/>
+  </p:clrMapOvr>
+</p:sld>
+</file>
+
+<file path=ppt/slides/slide7.xml><?xml version="1.0" encoding="utf-8"?>
+<p:sld xmlns:a="http://schemas.openxmlformats.org/drawingml/2006/main" xmlns:r="http://schemas.openxmlformats.org/officeDocument/2006/relationships" xmlns:p="http://schemas.openxmlformats.org/presentationml/2006/main">
+  <p:cSld>
+    <p:spTree>
+      <p:nvGrpSpPr>
+        <p:cNvPr id="1" name=""/>
+        <p:cNvGrpSpPr/>
+        <p:nvPr/>
+      </p:nvGrpSpPr>
+      <p:grpSpPr>
+        <a:xfrm>
+          <a:off x="0" y="0"/>
+          <a:ext cx="0" cy="0"/>
+          <a:chOff x="0" y="0"/>
+          <a:chExt cx="0" cy="0"/>
+        </a:xfrm>
+      </p:grpSpPr>
+      <p:sp>
+        <p:nvSpPr>
+          <p:cNvPr id="2" name="Title 1">
+            <a:extLst>
+              <a:ext uri="{FF2B5EF4-FFF2-40B4-BE49-F238E27FC236}">
                 <a16:creationId xmlns:a16="http://schemas.microsoft.com/office/drawing/2014/main" id="{8CA39ED6-8946-A94C-BFCF-4C0FBD8CF895}"/>
               </a:ext>
             </a:extLst>
@@ -3709,7 +4327,10 @@
           <a:bodyPr/>
           <a:lstStyle/>
           <a:p>
-            <a:endParaRPr lang="en-US"/>
+            <a:r>
+              <a:rPr lang="en-US" dirty="0"/>
+              <a:t>Get the basket to work</a:t>
+            </a:r>
           </a:p>
         </p:txBody>
       </p:sp>
